--- a/14. Károly Róbert gazdasági reformjai. A magyar városfejlődés korai szakasza.pptx
+++ b/14. Károly Róbert gazdasági reformjai. A magyar városfejlődés korai szakasza.pptx
@@ -3491,7 +3491,7 @@
           </p:cNvPicPr>
           <p:nvPr/>
         </p:nvPicPr>
-        <p:blipFill>
+        <p:blipFill rotWithShape="1">
           <a:blip r:embed="rId2">
             <a:extLst>
               <a:ext uri="{28A0092B-C50C-407E-A947-70E740481C1C}">
@@ -3499,20 +3499,27 @@
               </a:ext>
             </a:extLst>
           </a:blip>
-          <a:srcRect/>
-          <a:stretch>
-            <a:fillRect/>
-          </a:stretch>
+          <a:srcRect r="488"/>
+          <a:stretch/>
         </p:blipFill>
         <p:spPr bwMode="auto">
           <a:xfrm>
-            <a:off x="7407479" y="3353661"/>
-            <a:ext cx="4784521" cy="3504339"/>
+            <a:off x="1" y="3760237"/>
+            <a:ext cx="4208780" cy="3097763"/>
           </a:xfrm>
-          <a:prstGeom prst="rect">
-            <a:avLst/>
+          <a:prstGeom prst="round1Rect">
+            <a:avLst>
+              <a:gd name="adj" fmla="val 25454"/>
+            </a:avLst>
           </a:prstGeom>
           <a:noFill/>
+          <a:ln>
+            <a:solidFill>
+              <a:schemeClr val="accent5">
+                <a:lumMod val="75000"/>
+              </a:schemeClr>
+            </a:solidFill>
+          </a:ln>
           <a:extLst>
             <a:ext uri="{909E8E84-426E-40DD-AFC4-6F175D3DCCD1}">
               <a14:hiddenFill xmlns:a14="http://schemas.microsoft.com/office/drawing/2010/main">
@@ -3524,6 +3531,48 @@
           </a:extLst>
         </p:spPr>
       </p:pic>
+      <p:sp>
+        <p:nvSpPr>
+          <p:cNvPr id="4" name="Szövegdoboz 3">
+            <a:extLst>
+              <a:ext uri="{FF2B5EF4-FFF2-40B4-BE49-F238E27FC236}">
+                <a16:creationId xmlns:a16="http://schemas.microsoft.com/office/drawing/2014/main" id="{AEB5805B-5962-F734-73B3-E13CAA03BD16}"/>
+              </a:ext>
+            </a:extLst>
+          </p:cNvPr>
+          <p:cNvSpPr txBox="1"/>
+          <p:nvPr/>
+        </p:nvSpPr>
+        <p:spPr>
+          <a:xfrm>
+            <a:off x="4270992" y="4985952"/>
+            <a:ext cx="1758045" cy="646331"/>
+          </a:xfrm>
+          <a:prstGeom prst="rect">
+            <a:avLst/>
+          </a:prstGeom>
+          <a:noFill/>
+        </p:spPr>
+        <p:txBody>
+          <a:bodyPr wrap="none" rtlCol="0">
+            <a:spAutoFit/>
+          </a:bodyPr>
+          <a:lstStyle/>
+          <a:p>
+            <a:r>
+              <a:rPr lang="es-ES" i="1" dirty="0"/>
+              <a:t>Kiskirályok a</a:t>
+            </a:r>
+            <a:endParaRPr lang="hu-HU" i="1" dirty="0"/>
+          </a:p>
+          <a:p>
+            <a:r>
+              <a:rPr lang="es-ES" i="1" dirty="0"/>
+              <a:t>14. század elején</a:t>
+            </a:r>
+          </a:p>
+        </p:txBody>
+      </p:sp>
     </p:spTree>
     <p:extLst>
       <p:ext uri="{BB962C8B-B14F-4D97-AF65-F5344CB8AC3E}">
@@ -3764,7 +3813,7 @@
           </p:cNvPicPr>
           <p:nvPr/>
         </p:nvPicPr>
-        <p:blipFill>
+        <p:blipFill rotWithShape="1">
           <a:blip r:embed="rId2">
             <a:extLst>
               <a:ext uri="{28A0092B-C50C-407E-A947-70E740481C1C}">
@@ -3772,20 +3821,27 @@
               </a:ext>
             </a:extLst>
           </a:blip>
-          <a:srcRect/>
-          <a:stretch>
-            <a:fillRect/>
-          </a:stretch>
+          <a:srcRect b="476"/>
+          <a:stretch/>
         </p:blipFill>
         <p:spPr bwMode="auto">
           <a:xfrm>
-            <a:off x="7713677" y="2933869"/>
-            <a:ext cx="4478323" cy="3924131"/>
+            <a:off x="6532880" y="2780205"/>
+            <a:ext cx="4308047" cy="3756976"/>
           </a:xfrm>
-          <a:prstGeom prst="rect">
-            <a:avLst/>
+          <a:prstGeom prst="roundRect">
+            <a:avLst>
+              <a:gd name="adj" fmla="val 11436"/>
+            </a:avLst>
           </a:prstGeom>
           <a:noFill/>
+          <a:ln>
+            <a:solidFill>
+              <a:schemeClr val="accent5">
+                <a:lumMod val="75000"/>
+              </a:schemeClr>
+            </a:solidFill>
+          </a:ln>
           <a:extLst>
             <a:ext uri="{909E8E84-426E-40DD-AFC4-6F175D3DCCD1}">
               <a14:hiddenFill xmlns:a14="http://schemas.microsoft.com/office/drawing/2010/main">
@@ -3797,6 +3853,50 @@
           </a:extLst>
         </p:spPr>
       </p:pic>
+      <p:sp>
+        <p:nvSpPr>
+          <p:cNvPr id="4" name="Szövegdoboz 3">
+            <a:extLst>
+              <a:ext uri="{FF2B5EF4-FFF2-40B4-BE49-F238E27FC236}">
+                <a16:creationId xmlns:a16="http://schemas.microsoft.com/office/drawing/2014/main" id="{E0F16A78-53D2-D2FC-0379-D6F5A7BFB0EF}"/>
+              </a:ext>
+            </a:extLst>
+          </p:cNvPr>
+          <p:cNvSpPr txBox="1"/>
+          <p:nvPr/>
+        </p:nvSpPr>
+        <p:spPr>
+          <a:xfrm>
+            <a:off x="4504672" y="4486390"/>
+            <a:ext cx="1934760" cy="646331"/>
+          </a:xfrm>
+          <a:prstGeom prst="rect">
+            <a:avLst/>
+          </a:prstGeom>
+          <a:noFill/>
+        </p:spPr>
+        <p:txBody>
+          <a:bodyPr wrap="none" rtlCol="0">
+            <a:spAutoFit/>
+          </a:bodyPr>
+          <a:lstStyle/>
+          <a:p>
+            <a:pPr algn="r"/>
+            <a:r>
+              <a:rPr lang="hu-HU" i="1" dirty="0"/>
+              <a:t>Károly Róbert</a:t>
+            </a:r>
+          </a:p>
+          <a:p>
+            <a:pPr algn="r"/>
+            <a:r>
+              <a:rPr lang="hu-HU" i="1" dirty="0"/>
+              <a:t>gazdaságpolitikája</a:t>
+            </a:r>
+            <a:endParaRPr lang="es-ES" i="1" dirty="0"/>
+          </a:p>
+        </p:txBody>
+      </p:sp>
     </p:spTree>
     <p:extLst>
       <p:ext uri="{BB962C8B-B14F-4D97-AF65-F5344CB8AC3E}">
@@ -3849,7 +3949,7 @@
           <a:lstStyle/>
           <a:p>
             <a:r>
-              <a:rPr lang="hu-HU" b="1" dirty="0">
+              <a:rPr lang="hu-HU" b="1">
                 <a:solidFill>
                   <a:schemeClr val="accent5">
                     <a:lumMod val="75000"/>
@@ -3858,6 +3958,13 @@
               </a:rPr>
               <a:t>Külpolitikája</a:t>
             </a:r>
+            <a:endParaRPr lang="hu-HU" b="1" dirty="0">
+              <a:solidFill>
+                <a:schemeClr val="accent5">
+                  <a:lumMod val="75000"/>
+                </a:schemeClr>
+              </a:solidFill>
+            </a:endParaRPr>
           </a:p>
         </p:txBody>
       </p:sp>
@@ -3889,32 +3996,33 @@
           <a:p>
             <a:pPr algn="just"/>
             <a:r>
-              <a:rPr lang="hu-HU" dirty="0"/>
+              <a:rPr lang="hu-HU"/>
               <a:t>Találkozót hívott Visegrádra a lengyel és cseh királlyal, egyezség született egy gazdasági szövetségről.</a:t>
             </a:r>
           </a:p>
           <a:p>
             <a:pPr algn="just"/>
             <a:r>
-              <a:rPr lang="hu-HU" dirty="0"/>
+              <a:rPr lang="hu-HU"/>
               <a:t>Megállapodás született egy Bécset elkerülő kereskedelmi útvonal létrehozásáról.</a:t>
             </a:r>
           </a:p>
           <a:p>
             <a:pPr algn="just"/>
             <a:r>
-              <a:rPr lang="hu-HU" dirty="0"/>
+              <a:rPr lang="hu-HU"/>
               <a:t>Megállapodás a lengyel trón örökléséről is, ha Károly Róbert fiának, Lajosnak, nem születik fiú utódja.</a:t>
             </a:r>
+            <a:endParaRPr lang="hu-HU" dirty="0"/>
           </a:p>
         </p:txBody>
       </p:sp>
       <p:pic>
         <p:nvPicPr>
-          <p:cNvPr id="5" name="Picture 4" descr="undefined">
-            <a:extLst>
-              <a:ext uri="{FF2B5EF4-FFF2-40B4-BE49-F238E27FC236}">
-                <a16:creationId xmlns:a16="http://schemas.microsoft.com/office/drawing/2014/main" id="{B64A31BF-D4A0-4DC7-943C-DF2968EF62A4}"/>
+          <p:cNvPr id="4" name="Picture 4" descr="undefined">
+            <a:extLst>
+              <a:ext uri="{FF2B5EF4-FFF2-40B4-BE49-F238E27FC236}">
+                <a16:creationId xmlns:a16="http://schemas.microsoft.com/office/drawing/2014/main" id="{C836108B-198A-50BE-1BC9-666978F2DEDE}"/>
               </a:ext>
             </a:extLst>
           </p:cNvPr>
@@ -3923,7 +4031,7 @@
           </p:cNvPicPr>
           <p:nvPr/>
         </p:nvPicPr>
-        <p:blipFill>
+        <p:blipFill rotWithShape="1">
           <a:blip r:embed="rId2">
             <a:extLst>
               <a:ext uri="{28A0092B-C50C-407E-A947-70E740481C1C}">
@@ -3931,19 +4039,129 @@
               </a:ext>
             </a:extLst>
           </a:blip>
-          <a:srcRect/>
-          <a:stretch>
-            <a:fillRect/>
-          </a:stretch>
+          <a:srcRect l="11213" t="9227" r="11379" b="3787"/>
+          <a:stretch/>
         </p:blipFill>
         <p:spPr bwMode="auto">
           <a:xfrm>
-            <a:off x="6219825" y="0"/>
-            <a:ext cx="5972175" cy="6858000"/>
+            <a:off x="6867331" y="10"/>
+            <a:ext cx="5324669" cy="6857990"/>
           </a:xfrm>
-          <a:prstGeom prst="rect">
+          <a:custGeom>
             <a:avLst/>
-          </a:prstGeom>
+            <a:gdLst/>
+            <a:ahLst/>
+            <a:cxnLst/>
+            <a:rect l="l" t="t" r="r" b="b"/>
+            <a:pathLst>
+              <a:path w="6878775" h="6858000">
+                <a:moveTo>
+                  <a:pt x="1102973" y="0"/>
+                </a:moveTo>
+                <a:lnTo>
+                  <a:pt x="1160688" y="0"/>
+                </a:lnTo>
+                <a:lnTo>
+                  <a:pt x="983189" y="331786"/>
+                </a:lnTo>
+                <a:cubicBezTo>
+                  <a:pt x="914866" y="469145"/>
+                  <a:pt x="850355" y="608712"/>
+                  <a:pt x="789261" y="750263"/>
+                </a:cubicBezTo>
+                <a:cubicBezTo>
+                  <a:pt x="774307" y="784928"/>
+                  <a:pt x="759992" y="819849"/>
+                  <a:pt x="745295" y="854514"/>
+                </a:cubicBezTo>
+                <a:cubicBezTo>
+                  <a:pt x="756682" y="845393"/>
+                  <a:pt x="765489" y="833492"/>
+                  <a:pt x="770857" y="819975"/>
+                </a:cubicBezTo>
+                <a:cubicBezTo>
+                  <a:pt x="879943" y="589569"/>
+                  <a:pt x="999605" y="365513"/>
+                  <a:pt x="1131329" y="148742"/>
+                </a:cubicBezTo>
+                <a:lnTo>
+                  <a:pt x="1227589" y="0"/>
+                </a:lnTo>
+                <a:lnTo>
+                  <a:pt x="6878775" y="0"/>
+                </a:lnTo>
+                <a:lnTo>
+                  <a:pt x="6878775" y="6858000"/>
+                </a:lnTo>
+                <a:lnTo>
+                  <a:pt x="713521" y="6858000"/>
+                </a:lnTo>
+                <a:lnTo>
+                  <a:pt x="625642" y="6670527"/>
+                </a:lnTo>
+                <a:cubicBezTo>
+                  <a:pt x="507232" y="6398531"/>
+                  <a:pt x="403083" y="6118381"/>
+                  <a:pt x="312785" y="5830359"/>
+                </a:cubicBezTo>
+                <a:cubicBezTo>
+                  <a:pt x="278149" y="5719759"/>
+                  <a:pt x="248879" y="5607635"/>
+                  <a:pt x="212198" y="5480401"/>
+                </a:cubicBezTo>
+                <a:cubicBezTo>
+                  <a:pt x="212208" y="5491601"/>
+                  <a:pt x="212803" y="5502788"/>
+                  <a:pt x="213988" y="5513923"/>
+                </a:cubicBezTo>
+                <a:cubicBezTo>
+                  <a:pt x="264089" y="5723695"/>
+                  <a:pt x="307290" y="5935370"/>
+                  <a:pt x="365826" y="6142729"/>
+                </a:cubicBezTo>
+                <a:cubicBezTo>
+                  <a:pt x="433152" y="6380817"/>
+                  <a:pt x="510068" y="6614016"/>
+                  <a:pt x="597975" y="6841549"/>
+                </a:cubicBezTo>
+                <a:lnTo>
+                  <a:pt x="604824" y="6858000"/>
+                </a:lnTo>
+                <a:lnTo>
+                  <a:pt x="552056" y="6858000"/>
+                </a:lnTo>
+                <a:lnTo>
+                  <a:pt x="539576" y="6828295"/>
+                </a:lnTo>
+                <a:cubicBezTo>
+                  <a:pt x="380597" y="6414594"/>
+                  <a:pt x="260223" y="5988893"/>
+                  <a:pt x="171555" y="5552906"/>
+                </a:cubicBezTo>
+                <a:cubicBezTo>
+                  <a:pt x="91163" y="5157998"/>
+                  <a:pt x="43746" y="4758899"/>
+                  <a:pt x="12305" y="4357388"/>
+                </a:cubicBezTo>
+                <a:cubicBezTo>
+                  <a:pt x="-14281" y="4013908"/>
+                  <a:pt x="4507" y="3672965"/>
+                  <a:pt x="46684" y="3331516"/>
+                </a:cubicBezTo>
+                <a:cubicBezTo>
+                  <a:pt x="127203" y="2664286"/>
+                  <a:pt x="277819" y="2007265"/>
+                  <a:pt x="496065" y="1371196"/>
+                </a:cubicBezTo>
+                <a:cubicBezTo>
+                  <a:pt x="636273" y="966066"/>
+                  <a:pt x="800445" y="573253"/>
+                  <a:pt x="995723" y="196614"/>
+                </a:cubicBezTo>
+                <a:close/>
+              </a:path>
+            </a:pathLst>
+          </a:custGeom>
           <a:noFill/>
           <a:extLst>
             <a:ext uri="{909E8E84-426E-40DD-AFC4-6F175D3DCCD1}">
@@ -4036,11 +4254,17 @@
             <p:ph idx="1"/>
           </p:nvPr>
         </p:nvSpPr>
-        <p:spPr/>
-        <p:txBody>
-          <a:bodyPr/>
-          <a:lstStyle/>
-          <a:p>
+        <p:spPr>
+          <a:xfrm>
+            <a:off x="838202" y="1825625"/>
+            <a:ext cx="6365032" cy="4351338"/>
+          </a:xfrm>
+        </p:spPr>
+        <p:txBody>
+          <a:bodyPr/>
+          <a:lstStyle/>
+          <a:p>
+            <a:pPr algn="just"/>
             <a:r>
               <a:rPr lang="hu-HU" dirty="0"/>
               <a:t>Szabad királyi városok: függetlenek, városfallal </a:t>
@@ -4055,16 +4279,109 @@
             </a:r>
           </a:p>
           <a:p>
+            <a:pPr algn="just"/>
             <a:r>
               <a:rPr lang="hu-HU" dirty="0"/>
               <a:t>Mezővárosok: földesurak kiváltságokkal felruházott települései, vásártartási joguk volt, de városfalat nem építhettek.</a:t>
             </a:r>
           </a:p>
           <a:p>
+            <a:pPr algn="just"/>
             <a:r>
               <a:rPr lang="hu-HU" dirty="0"/>
               <a:t>Bányavárosok: a bányászattal foglalkozók lakták, hasonló jogokkal rendelkeztek, mint a szabad királyi városok.</a:t>
             </a:r>
+          </a:p>
+        </p:txBody>
+      </p:sp>
+      <p:pic>
+        <p:nvPicPr>
+          <p:cNvPr id="1026" name="Picture 2">
+            <a:extLst>
+              <a:ext uri="{FF2B5EF4-FFF2-40B4-BE49-F238E27FC236}">
+                <a16:creationId xmlns:a16="http://schemas.microsoft.com/office/drawing/2014/main" id="{C4819716-7963-A7AE-91ED-ECA46B579932}"/>
+              </a:ext>
+            </a:extLst>
+          </p:cNvPr>
+          <p:cNvPicPr>
+            <a:picLocks noChangeAspect="1" noChangeArrowheads="1"/>
+          </p:cNvPicPr>
+          <p:nvPr/>
+        </p:nvPicPr>
+        <p:blipFill rotWithShape="1">
+          <a:blip r:embed="rId2">
+            <a:extLst>
+              <a:ext uri="{28A0092B-C50C-407E-A947-70E740481C1C}">
+                <a14:useLocalDpi xmlns:a14="http://schemas.microsoft.com/office/drawing/2010/main" val="0"/>
+              </a:ext>
+            </a:extLst>
+          </a:blip>
+          <a:srcRect l="1" r="660" b="678"/>
+          <a:stretch/>
+        </p:blipFill>
+        <p:spPr bwMode="auto">
+          <a:xfrm>
+            <a:off x="7692350" y="1196340"/>
+            <a:ext cx="3917315" cy="4465320"/>
+          </a:xfrm>
+          <a:prstGeom prst="roundRect">
+            <a:avLst/>
+          </a:prstGeom>
+          <a:solidFill>
+            <a:schemeClr val="accent5">
+              <a:lumMod val="75000"/>
+            </a:schemeClr>
+          </a:solidFill>
+          <a:ln>
+            <a:solidFill>
+              <a:schemeClr val="accent5">
+                <a:lumMod val="75000"/>
+              </a:schemeClr>
+            </a:solidFill>
+          </a:ln>
+        </p:spPr>
+      </p:pic>
+      <p:sp>
+        <p:nvSpPr>
+          <p:cNvPr id="6" name="Szövegdoboz 5">
+            <a:extLst>
+              <a:ext uri="{FF2B5EF4-FFF2-40B4-BE49-F238E27FC236}">
+                <a16:creationId xmlns:a16="http://schemas.microsoft.com/office/drawing/2014/main" id="{E6004813-6F96-81F3-284B-CB3A6E575B82}"/>
+              </a:ext>
+            </a:extLst>
+          </p:cNvPr>
+          <p:cNvSpPr txBox="1"/>
+          <p:nvPr/>
+        </p:nvSpPr>
+        <p:spPr>
+          <a:xfrm>
+            <a:off x="7959775" y="5708315"/>
+            <a:ext cx="3382464" cy="646331"/>
+          </a:xfrm>
+          <a:prstGeom prst="rect">
+            <a:avLst/>
+          </a:prstGeom>
+          <a:noFill/>
+        </p:spPr>
+        <p:txBody>
+          <a:bodyPr wrap="none" rtlCol="0">
+            <a:spAutoFit/>
+          </a:bodyPr>
+          <a:lstStyle/>
+          <a:p>
+            <a:pPr algn="ctr"/>
+            <a:r>
+              <a:rPr lang="hu-HU" i="1" dirty="0"/>
+              <a:t>A különböző várostípusok adózása</a:t>
+            </a:r>
+          </a:p>
+          <a:p>
+            <a:pPr algn="ctr"/>
+            <a:r>
+              <a:rPr lang="hu-HU" i="1" dirty="0"/>
+              <a:t>a 14–15. században</a:t>
+            </a:r>
+            <a:endParaRPr lang="es-ES" i="1" dirty="0"/>
           </a:p>
         </p:txBody>
       </p:sp>
